--- a/IPL_Data_Analysis_Presentation.pptx
+++ b/IPL_Data_Analysis_Presentation.pptx
@@ -5,19 +5,19 @@
     <p:sldMasterId id="2147483648" r:id="rId1"/>
   </p:sldMasterIdLst>
   <p:sldIdLst>
-    <p:sldId id="256" r:id="rId7"/>
-    <p:sldId id="257" r:id="rId8"/>
-    <p:sldId id="258" r:id="rId9"/>
-    <p:sldId id="259" r:id="rId10"/>
-    <p:sldId id="260" r:id="rId11"/>
-    <p:sldId id="261" r:id="rId12"/>
-    <p:sldId id="262" r:id="rId13"/>
-    <p:sldId id="263" r:id="rId14"/>
-    <p:sldId id="264" r:id="rId15"/>
-    <p:sldId id="265" r:id="rId16"/>
-    <p:sldId id="266" r:id="rId17"/>
-    <p:sldId id="267" r:id="rId18"/>
-    <p:sldId id="268" r:id="rId19"/>
+    <p:sldId id="256" r:id="rId2"/>
+    <p:sldId id="257" r:id="rId3"/>
+    <p:sldId id="258" r:id="rId4"/>
+    <p:sldId id="259" r:id="rId5"/>
+    <p:sldId id="260" r:id="rId6"/>
+    <p:sldId id="261" r:id="rId7"/>
+    <p:sldId id="262" r:id="rId8"/>
+    <p:sldId id="263" r:id="rId9"/>
+    <p:sldId id="264" r:id="rId10"/>
+    <p:sldId id="265" r:id="rId11"/>
+    <p:sldId id="266" r:id="rId12"/>
+    <p:sldId id="267" r:id="rId13"/>
+    <p:sldId id="268" r:id="rId14"/>
   </p:sldIdLst>
   <p:sldSz cx="9144000" cy="6858000" type="screen4x3"/>
   <p:notesSz cx="6858000" cy="9144000"/>
@@ -116,6 +116,22 @@
       </a:defRPr>
     </a:lvl9pPr>
   </p:defaultTextStyle>
+  <p:extLst>
+    <p:ext uri="{EFAFB233-063F-42B5-8137-9DF3F51BA10A}">
+      <p15:sldGuideLst xmlns:p15="http://schemas.microsoft.com/office/powerpoint/2012/main">
+        <p15:guide id="1" orient="horz" pos="2160">
+          <p15:clr>
+            <a:srgbClr val="A4A3A4"/>
+          </p15:clr>
+        </p15:guide>
+        <p15:guide id="2" pos="2880">
+          <p15:clr>
+            <a:srgbClr val="A4A3A4"/>
+          </p15:clr>
+        </p15:guide>
+      </p15:sldGuideLst>
+    </p:ext>
+  </p:extLst>
 </p:presentation>
 </file>
 
@@ -157,10 +173,9 @@
           <a:lstStyle/>
           <a:p>
             <a:r>
-              <a:rPr lang="en-US" smtClean="0"/>
+              <a:rPr lang="en-US"/>
               <a:t>Click to edit Master title style</a:t>
             </a:r>
-            <a:endParaRPr lang="en-US"/>
           </a:p>
         </p:txBody>
       </p:sp>
@@ -276,10 +291,9 @@
           </a:lstStyle>
           <a:p>
             <a:r>
-              <a:rPr lang="en-US" smtClean="0"/>
+              <a:rPr lang="en-US"/>
               <a:t>Click to edit Master subtitle style</a:t>
             </a:r>
-            <a:endParaRPr lang="en-US"/>
           </a:p>
         </p:txBody>
       </p:sp>
@@ -300,7 +314,7 @@
           <a:p>
             <a:fld id="{5BCAD085-E8A6-8845-BD4E-CB4CCA059FC4}" type="datetimeFigureOut">
               <a:rPr lang="en-US" smtClean="0"/>
-              <a:t>1/27/13</a:t>
+              <a:t>11/15/2024</a:t>
             </a:fld>
             <a:endParaRPr lang="en-US"/>
           </a:p>
@@ -394,10 +408,9 @@
           <a:lstStyle/>
           <a:p>
             <a:r>
-              <a:rPr lang="en-US" smtClean="0"/>
+              <a:rPr lang="en-US"/>
               <a:t>Click to edit Master title style</a:t>
             </a:r>
-            <a:endParaRPr lang="en-US"/>
           </a:p>
         </p:txBody>
       </p:sp>
@@ -418,38 +431,37 @@
           <a:p>
             <a:pPr lvl="0"/>
             <a:r>
-              <a:rPr lang="en-US" smtClean="0"/>
+              <a:rPr lang="en-US"/>
               <a:t>Click to edit Master text styles</a:t>
             </a:r>
           </a:p>
           <a:p>
             <a:pPr lvl="1"/>
             <a:r>
-              <a:rPr lang="en-US" smtClean="0"/>
+              <a:rPr lang="en-US"/>
               <a:t>Second level</a:t>
             </a:r>
           </a:p>
           <a:p>
             <a:pPr lvl="2"/>
             <a:r>
-              <a:rPr lang="en-US" smtClean="0"/>
+              <a:rPr lang="en-US"/>
               <a:t>Third level</a:t>
             </a:r>
           </a:p>
           <a:p>
             <a:pPr lvl="3"/>
             <a:r>
-              <a:rPr lang="en-US" smtClean="0"/>
+              <a:rPr lang="en-US"/>
               <a:t>Fourth level</a:t>
             </a:r>
           </a:p>
           <a:p>
             <a:pPr lvl="4"/>
             <a:r>
-              <a:rPr lang="en-US" smtClean="0"/>
+              <a:rPr lang="en-US"/>
               <a:t>Fifth level</a:t>
             </a:r>
-            <a:endParaRPr lang="en-US"/>
           </a:p>
         </p:txBody>
       </p:sp>
@@ -470,7 +482,7 @@
           <a:p>
             <a:fld id="{5BCAD085-E8A6-8845-BD4E-CB4CCA059FC4}" type="datetimeFigureOut">
               <a:rPr lang="en-US" smtClean="0"/>
-              <a:t>1/27/13</a:t>
+              <a:t>11/15/2024</a:t>
             </a:fld>
             <a:endParaRPr lang="en-US"/>
           </a:p>
@@ -569,10 +581,9 @@
           <a:lstStyle/>
           <a:p>
             <a:r>
-              <a:rPr lang="en-US" smtClean="0"/>
+              <a:rPr lang="en-US"/>
               <a:t>Click to edit Master title style</a:t>
             </a:r>
-            <a:endParaRPr lang="en-US"/>
           </a:p>
         </p:txBody>
       </p:sp>
@@ -598,38 +609,37 @@
           <a:p>
             <a:pPr lvl="0"/>
             <a:r>
-              <a:rPr lang="en-US" smtClean="0"/>
+              <a:rPr lang="en-US"/>
               <a:t>Click to edit Master text styles</a:t>
             </a:r>
           </a:p>
           <a:p>
             <a:pPr lvl="1"/>
             <a:r>
-              <a:rPr lang="en-US" smtClean="0"/>
+              <a:rPr lang="en-US"/>
               <a:t>Second level</a:t>
             </a:r>
           </a:p>
           <a:p>
             <a:pPr lvl="2"/>
             <a:r>
-              <a:rPr lang="en-US" smtClean="0"/>
+              <a:rPr lang="en-US"/>
               <a:t>Third level</a:t>
             </a:r>
           </a:p>
           <a:p>
             <a:pPr lvl="3"/>
             <a:r>
-              <a:rPr lang="en-US" smtClean="0"/>
+              <a:rPr lang="en-US"/>
               <a:t>Fourth level</a:t>
             </a:r>
           </a:p>
           <a:p>
             <a:pPr lvl="4"/>
             <a:r>
-              <a:rPr lang="en-US" smtClean="0"/>
+              <a:rPr lang="en-US"/>
               <a:t>Fifth level</a:t>
             </a:r>
-            <a:endParaRPr lang="en-US"/>
           </a:p>
         </p:txBody>
       </p:sp>
@@ -650,7 +660,7 @@
           <a:p>
             <a:fld id="{5BCAD085-E8A6-8845-BD4E-CB4CCA059FC4}" type="datetimeFigureOut">
               <a:rPr lang="en-US" smtClean="0"/>
-              <a:t>1/27/13</a:t>
+              <a:t>11/15/2024</a:t>
             </a:fld>
             <a:endParaRPr lang="en-US"/>
           </a:p>
@@ -744,10 +754,9 @@
           <a:lstStyle/>
           <a:p>
             <a:r>
-              <a:rPr lang="en-US" smtClean="0"/>
+              <a:rPr lang="en-US"/>
               <a:t>Click to edit Master title style</a:t>
             </a:r>
-            <a:endParaRPr lang="en-US"/>
           </a:p>
         </p:txBody>
       </p:sp>
@@ -768,38 +777,37 @@
           <a:p>
             <a:pPr lvl="0"/>
             <a:r>
-              <a:rPr lang="en-US" smtClean="0"/>
+              <a:rPr lang="en-US"/>
               <a:t>Click to edit Master text styles</a:t>
             </a:r>
           </a:p>
           <a:p>
             <a:pPr lvl="1"/>
             <a:r>
-              <a:rPr lang="en-US" smtClean="0"/>
+              <a:rPr lang="en-US"/>
               <a:t>Second level</a:t>
             </a:r>
           </a:p>
           <a:p>
             <a:pPr lvl="2"/>
             <a:r>
-              <a:rPr lang="en-US" smtClean="0"/>
+              <a:rPr lang="en-US"/>
               <a:t>Third level</a:t>
             </a:r>
           </a:p>
           <a:p>
             <a:pPr lvl="3"/>
             <a:r>
-              <a:rPr lang="en-US" smtClean="0"/>
+              <a:rPr lang="en-US"/>
               <a:t>Fourth level</a:t>
             </a:r>
           </a:p>
           <a:p>
             <a:pPr lvl="4"/>
             <a:r>
-              <a:rPr lang="en-US" smtClean="0"/>
+              <a:rPr lang="en-US"/>
               <a:t>Fifth level</a:t>
             </a:r>
-            <a:endParaRPr lang="en-US"/>
           </a:p>
         </p:txBody>
       </p:sp>
@@ -820,7 +828,7 @@
           <a:p>
             <a:fld id="{5BCAD085-E8A6-8845-BD4E-CB4CCA059FC4}" type="datetimeFigureOut">
               <a:rPr lang="en-US" smtClean="0"/>
-              <a:t>1/27/13</a:t>
+              <a:t>11/15/2024</a:t>
             </a:fld>
             <a:endParaRPr lang="en-US"/>
           </a:p>
@@ -923,10 +931,9 @@
           </a:lstStyle>
           <a:p>
             <a:r>
-              <a:rPr lang="en-US" smtClean="0"/>
+              <a:rPr lang="en-US"/>
               <a:t>Click to edit Master title style</a:t>
             </a:r>
-            <a:endParaRPr lang="en-US"/>
           </a:p>
         </p:txBody>
       </p:sp>
@@ -1043,7 +1050,7 @@
           <a:p>
             <a:pPr lvl="0"/>
             <a:r>
-              <a:rPr lang="en-US" smtClean="0"/>
+              <a:rPr lang="en-US"/>
               <a:t>Click to edit Master text styles</a:t>
             </a:r>
           </a:p>
@@ -1066,7 +1073,7 @@
           <a:p>
             <a:fld id="{5BCAD085-E8A6-8845-BD4E-CB4CCA059FC4}" type="datetimeFigureOut">
               <a:rPr lang="en-US" smtClean="0"/>
-              <a:t>1/27/13</a:t>
+              <a:t>11/15/2024</a:t>
             </a:fld>
             <a:endParaRPr lang="en-US"/>
           </a:p>
@@ -1160,10 +1167,9 @@
           <a:lstStyle/>
           <a:p>
             <a:r>
-              <a:rPr lang="en-US" smtClean="0"/>
+              <a:rPr lang="en-US"/>
               <a:t>Click to edit Master title style</a:t>
             </a:r>
-            <a:endParaRPr lang="en-US"/>
           </a:p>
         </p:txBody>
       </p:sp>
@@ -1217,38 +1223,37 @@
           <a:p>
             <a:pPr lvl="0"/>
             <a:r>
-              <a:rPr lang="en-US" smtClean="0"/>
+              <a:rPr lang="en-US"/>
               <a:t>Click to edit Master text styles</a:t>
             </a:r>
           </a:p>
           <a:p>
             <a:pPr lvl="1"/>
             <a:r>
-              <a:rPr lang="en-US" smtClean="0"/>
+              <a:rPr lang="en-US"/>
               <a:t>Second level</a:t>
             </a:r>
           </a:p>
           <a:p>
             <a:pPr lvl="2"/>
             <a:r>
-              <a:rPr lang="en-US" smtClean="0"/>
+              <a:rPr lang="en-US"/>
               <a:t>Third level</a:t>
             </a:r>
           </a:p>
           <a:p>
             <a:pPr lvl="3"/>
             <a:r>
-              <a:rPr lang="en-US" smtClean="0"/>
+              <a:rPr lang="en-US"/>
               <a:t>Fourth level</a:t>
             </a:r>
           </a:p>
           <a:p>
             <a:pPr lvl="4"/>
             <a:r>
-              <a:rPr lang="en-US" smtClean="0"/>
+              <a:rPr lang="en-US"/>
               <a:t>Fifth level</a:t>
             </a:r>
-            <a:endParaRPr lang="en-US"/>
           </a:p>
         </p:txBody>
       </p:sp>
@@ -1302,38 +1307,37 @@
           <a:p>
             <a:pPr lvl="0"/>
             <a:r>
-              <a:rPr lang="en-US" smtClean="0"/>
+              <a:rPr lang="en-US"/>
               <a:t>Click to edit Master text styles</a:t>
             </a:r>
           </a:p>
           <a:p>
             <a:pPr lvl="1"/>
             <a:r>
-              <a:rPr lang="en-US" smtClean="0"/>
+              <a:rPr lang="en-US"/>
               <a:t>Second level</a:t>
             </a:r>
           </a:p>
           <a:p>
             <a:pPr lvl="2"/>
             <a:r>
-              <a:rPr lang="en-US" smtClean="0"/>
+              <a:rPr lang="en-US"/>
               <a:t>Third level</a:t>
             </a:r>
           </a:p>
           <a:p>
             <a:pPr lvl="3"/>
             <a:r>
-              <a:rPr lang="en-US" smtClean="0"/>
+              <a:rPr lang="en-US"/>
               <a:t>Fourth level</a:t>
             </a:r>
           </a:p>
           <a:p>
             <a:pPr lvl="4"/>
             <a:r>
-              <a:rPr lang="en-US" smtClean="0"/>
+              <a:rPr lang="en-US"/>
               <a:t>Fifth level</a:t>
             </a:r>
-            <a:endParaRPr lang="en-US"/>
           </a:p>
         </p:txBody>
       </p:sp>
@@ -1354,7 +1358,7 @@
           <a:p>
             <a:fld id="{5BCAD085-E8A6-8845-BD4E-CB4CCA059FC4}" type="datetimeFigureOut">
               <a:rPr lang="en-US" smtClean="0"/>
-              <a:t>1/27/13</a:t>
+              <a:t>11/15/2024</a:t>
             </a:fld>
             <a:endParaRPr lang="en-US"/>
           </a:p>
@@ -1452,10 +1456,9 @@
           </a:lstStyle>
           <a:p>
             <a:r>
-              <a:rPr lang="en-US" smtClean="0"/>
+              <a:rPr lang="en-US"/>
               <a:t>Click to edit Master title style</a:t>
             </a:r>
-            <a:endParaRPr lang="en-US"/>
           </a:p>
         </p:txBody>
       </p:sp>
@@ -1518,7 +1521,7 @@
           <a:p>
             <a:pPr lvl="0"/>
             <a:r>
-              <a:rPr lang="en-US" smtClean="0"/>
+              <a:rPr lang="en-US"/>
               <a:t>Click to edit Master text styles</a:t>
             </a:r>
           </a:p>
@@ -1574,38 +1577,37 @@
           <a:p>
             <a:pPr lvl="0"/>
             <a:r>
-              <a:rPr lang="en-US" smtClean="0"/>
+              <a:rPr lang="en-US"/>
               <a:t>Click to edit Master text styles</a:t>
             </a:r>
           </a:p>
           <a:p>
             <a:pPr lvl="1"/>
             <a:r>
-              <a:rPr lang="en-US" smtClean="0"/>
+              <a:rPr lang="en-US"/>
               <a:t>Second level</a:t>
             </a:r>
           </a:p>
           <a:p>
             <a:pPr lvl="2"/>
             <a:r>
-              <a:rPr lang="en-US" smtClean="0"/>
+              <a:rPr lang="en-US"/>
               <a:t>Third level</a:t>
             </a:r>
           </a:p>
           <a:p>
             <a:pPr lvl="3"/>
             <a:r>
-              <a:rPr lang="en-US" smtClean="0"/>
+              <a:rPr lang="en-US"/>
               <a:t>Fourth level</a:t>
             </a:r>
           </a:p>
           <a:p>
             <a:pPr lvl="4"/>
             <a:r>
-              <a:rPr lang="en-US" smtClean="0"/>
+              <a:rPr lang="en-US"/>
               <a:t>Fifth level</a:t>
             </a:r>
-            <a:endParaRPr lang="en-US"/>
           </a:p>
         </p:txBody>
       </p:sp>
@@ -1668,7 +1670,7 @@
           <a:p>
             <a:pPr lvl="0"/>
             <a:r>
-              <a:rPr lang="en-US" smtClean="0"/>
+              <a:rPr lang="en-US"/>
               <a:t>Click to edit Master text styles</a:t>
             </a:r>
           </a:p>
@@ -1724,38 +1726,37 @@
           <a:p>
             <a:pPr lvl="0"/>
             <a:r>
-              <a:rPr lang="en-US" smtClean="0"/>
+              <a:rPr lang="en-US"/>
               <a:t>Click to edit Master text styles</a:t>
             </a:r>
           </a:p>
           <a:p>
             <a:pPr lvl="1"/>
             <a:r>
-              <a:rPr lang="en-US" smtClean="0"/>
+              <a:rPr lang="en-US"/>
               <a:t>Second level</a:t>
             </a:r>
           </a:p>
           <a:p>
             <a:pPr lvl="2"/>
             <a:r>
-              <a:rPr lang="en-US" smtClean="0"/>
+              <a:rPr lang="en-US"/>
               <a:t>Third level</a:t>
             </a:r>
           </a:p>
           <a:p>
             <a:pPr lvl="3"/>
             <a:r>
-              <a:rPr lang="en-US" smtClean="0"/>
+              <a:rPr lang="en-US"/>
               <a:t>Fourth level</a:t>
             </a:r>
           </a:p>
           <a:p>
             <a:pPr lvl="4"/>
             <a:r>
-              <a:rPr lang="en-US" smtClean="0"/>
+              <a:rPr lang="en-US"/>
               <a:t>Fifth level</a:t>
             </a:r>
-            <a:endParaRPr lang="en-US"/>
           </a:p>
         </p:txBody>
       </p:sp>
@@ -1776,7 +1777,7 @@
           <a:p>
             <a:fld id="{5BCAD085-E8A6-8845-BD4E-CB4CCA059FC4}" type="datetimeFigureOut">
               <a:rPr lang="en-US" smtClean="0"/>
-              <a:t>1/27/13</a:t>
+              <a:t>11/15/2024</a:t>
             </a:fld>
             <a:endParaRPr lang="en-US"/>
           </a:p>
@@ -1870,10 +1871,9 @@
           <a:lstStyle/>
           <a:p>
             <a:r>
-              <a:rPr lang="en-US" smtClean="0"/>
+              <a:rPr lang="en-US"/>
               <a:t>Click to edit Master title style</a:t>
             </a:r>
-            <a:endParaRPr lang="en-US"/>
           </a:p>
         </p:txBody>
       </p:sp>
@@ -1894,7 +1894,7 @@
           <a:p>
             <a:fld id="{5BCAD085-E8A6-8845-BD4E-CB4CCA059FC4}" type="datetimeFigureOut">
               <a:rPr lang="en-US" smtClean="0"/>
-              <a:t>1/27/13</a:t>
+              <a:t>11/15/2024</a:t>
             </a:fld>
             <a:endParaRPr lang="en-US"/>
           </a:p>
@@ -1989,7 +1989,7 @@
           <a:p>
             <a:fld id="{5BCAD085-E8A6-8845-BD4E-CB4CCA059FC4}" type="datetimeFigureOut">
               <a:rPr lang="en-US" smtClean="0"/>
-              <a:t>1/27/13</a:t>
+              <a:t>11/15/2024</a:t>
             </a:fld>
             <a:endParaRPr lang="en-US"/>
           </a:p>
@@ -2092,10 +2092,9 @@
           </a:lstStyle>
           <a:p>
             <a:r>
-              <a:rPr lang="en-US" smtClean="0"/>
+              <a:rPr lang="en-US"/>
               <a:t>Click to edit Master title style</a:t>
             </a:r>
-            <a:endParaRPr lang="en-US"/>
           </a:p>
         </p:txBody>
       </p:sp>
@@ -2149,38 +2148,37 @@
           <a:p>
             <a:pPr lvl="0"/>
             <a:r>
-              <a:rPr lang="en-US" smtClean="0"/>
+              <a:rPr lang="en-US"/>
               <a:t>Click to edit Master text styles</a:t>
             </a:r>
           </a:p>
           <a:p>
             <a:pPr lvl="1"/>
             <a:r>
-              <a:rPr lang="en-US" smtClean="0"/>
+              <a:rPr lang="en-US"/>
               <a:t>Second level</a:t>
             </a:r>
           </a:p>
           <a:p>
             <a:pPr lvl="2"/>
             <a:r>
-              <a:rPr lang="en-US" smtClean="0"/>
+              <a:rPr lang="en-US"/>
               <a:t>Third level</a:t>
             </a:r>
           </a:p>
           <a:p>
             <a:pPr lvl="3"/>
             <a:r>
-              <a:rPr lang="en-US" smtClean="0"/>
+              <a:rPr lang="en-US"/>
               <a:t>Fourth level</a:t>
             </a:r>
           </a:p>
           <a:p>
             <a:pPr lvl="4"/>
             <a:r>
-              <a:rPr lang="en-US" smtClean="0"/>
+              <a:rPr lang="en-US"/>
               <a:t>Fifth level</a:t>
             </a:r>
-            <a:endParaRPr lang="en-US"/>
           </a:p>
         </p:txBody>
       </p:sp>
@@ -2243,7 +2241,7 @@
           <a:p>
             <a:pPr lvl="0"/>
             <a:r>
-              <a:rPr lang="en-US" smtClean="0"/>
+              <a:rPr lang="en-US"/>
               <a:t>Click to edit Master text styles</a:t>
             </a:r>
           </a:p>
@@ -2266,7 +2264,7 @@
           <a:p>
             <a:fld id="{5BCAD085-E8A6-8845-BD4E-CB4CCA059FC4}" type="datetimeFigureOut">
               <a:rPr lang="en-US" smtClean="0"/>
-              <a:t>1/27/13</a:t>
+              <a:t>11/15/2024</a:t>
             </a:fld>
             <a:endParaRPr lang="en-US"/>
           </a:p>
@@ -2369,10 +2367,9 @@
           </a:lstStyle>
           <a:p>
             <a:r>
-              <a:rPr lang="en-US" smtClean="0"/>
+              <a:rPr lang="en-US"/>
               <a:t>Click to edit Master title style</a:t>
             </a:r>
-            <a:endParaRPr lang="en-US"/>
           </a:p>
         </p:txBody>
       </p:sp>
@@ -2496,7 +2493,7 @@
           <a:p>
             <a:pPr lvl="0"/>
             <a:r>
-              <a:rPr lang="en-US" smtClean="0"/>
+              <a:rPr lang="en-US"/>
               <a:t>Click to edit Master text styles</a:t>
             </a:r>
           </a:p>
@@ -2519,7 +2516,7 @@
           <a:p>
             <a:fld id="{5BCAD085-E8A6-8845-BD4E-CB4CCA059FC4}" type="datetimeFigureOut">
               <a:rPr lang="en-US" smtClean="0"/>
-              <a:t>1/27/13</a:t>
+              <a:t>11/15/2024</a:t>
             </a:fld>
             <a:endParaRPr lang="en-US"/>
           </a:p>
@@ -2628,10 +2625,9 @@
           <a:lstStyle/>
           <a:p>
             <a:r>
-              <a:rPr lang="en-US" smtClean="0"/>
+              <a:rPr lang="en-US"/>
               <a:t>Click to edit Master title style</a:t>
             </a:r>
-            <a:endParaRPr lang="en-US"/>
           </a:p>
         </p:txBody>
       </p:sp>
@@ -2662,38 +2658,37 @@
           <a:p>
             <a:pPr lvl="0"/>
             <a:r>
-              <a:rPr lang="en-US" smtClean="0"/>
+              <a:rPr lang="en-US"/>
               <a:t>Click to edit Master text styles</a:t>
             </a:r>
           </a:p>
           <a:p>
             <a:pPr lvl="1"/>
             <a:r>
-              <a:rPr lang="en-US" smtClean="0"/>
+              <a:rPr lang="en-US"/>
               <a:t>Second level</a:t>
             </a:r>
           </a:p>
           <a:p>
             <a:pPr lvl="2"/>
             <a:r>
-              <a:rPr lang="en-US" smtClean="0"/>
+              <a:rPr lang="en-US"/>
               <a:t>Third level</a:t>
             </a:r>
           </a:p>
           <a:p>
             <a:pPr lvl="3"/>
             <a:r>
-              <a:rPr lang="en-US" smtClean="0"/>
+              <a:rPr lang="en-US"/>
               <a:t>Fourth level</a:t>
             </a:r>
           </a:p>
           <a:p>
             <a:pPr lvl="4"/>
             <a:r>
-              <a:rPr lang="en-US" smtClean="0"/>
+              <a:rPr lang="en-US"/>
               <a:t>Fifth level</a:t>
             </a:r>
-            <a:endParaRPr lang="en-US"/>
           </a:p>
         </p:txBody>
       </p:sp>
@@ -2732,7 +2727,7 @@
           <a:p>
             <a:fld id="{5BCAD085-E8A6-8845-BD4E-CB4CCA059FC4}" type="datetimeFigureOut">
               <a:rPr lang="en-US" smtClean="0"/>
-              <a:t>1/27/13</a:t>
+              <a:t>11/15/2024</a:t>
             </a:fld>
             <a:endParaRPr lang="en-US"/>
           </a:p>
@@ -3091,7 +3086,7 @@
 </file>
 
 <file path=ppt/slides/slide1.xml><?xml version="1.0" encoding="utf-8"?>
-<p:sld xmlns:a="http://schemas.openxmlformats.org/drawingml/2006/main" xmlns:p="http://schemas.openxmlformats.org/presentationml/2006/main" xmlns:r="http://schemas.openxmlformats.org/officeDocument/2006/relationships">
+<p:sld xmlns:a="http://schemas.openxmlformats.org/drawingml/2006/main" xmlns:r="http://schemas.openxmlformats.org/officeDocument/2006/relationships" xmlns:p="http://schemas.openxmlformats.org/presentationml/2006/main">
   <p:cSld>
     <p:spTree>
       <p:nvGrpSpPr>
@@ -3099,7 +3094,14 @@
         <p:cNvGrpSpPr/>
         <p:nvPr/>
       </p:nvGrpSpPr>
-      <p:grpSpPr/>
+      <p:grpSpPr>
+        <a:xfrm>
+          <a:off x="0" y="0"/>
+          <a:ext cx="0" cy="0"/>
+          <a:chOff x="0" y="0"/>
+          <a:chExt cx="0" cy="0"/>
+        </a:xfrm>
+      </p:grpSpPr>
       <p:sp>
         <p:nvSpPr>
           <p:cNvPr id="2" name="Title 1"/>
@@ -3136,9 +3138,7 @@
           <a:bodyPr/>
           <a:lstStyle/>
           <a:p>
-            <a:r>
-              <a:t>By Mehul-420</a:t>
-            </a:r>
+            <a:endParaRPr dirty="0"/>
           </a:p>
         </p:txBody>
       </p:sp>
@@ -3151,7 +3151,7 @@
 </file>
 
 <file path=ppt/slides/slide10.xml><?xml version="1.0" encoding="utf-8"?>
-<p:sld xmlns:a="http://schemas.openxmlformats.org/drawingml/2006/main" xmlns:p="http://schemas.openxmlformats.org/presentationml/2006/main" xmlns:r="http://schemas.openxmlformats.org/officeDocument/2006/relationships">
+<p:sld xmlns:a="http://schemas.openxmlformats.org/drawingml/2006/main" xmlns:r="http://schemas.openxmlformats.org/officeDocument/2006/relationships" xmlns:p="http://schemas.openxmlformats.org/presentationml/2006/main">
   <p:cSld>
     <p:spTree>
       <p:nvGrpSpPr>
@@ -3159,7 +3159,14 @@
         <p:cNvGrpSpPr/>
         <p:nvPr/>
       </p:nvGrpSpPr>
-      <p:grpSpPr/>
+      <p:grpSpPr>
+        <a:xfrm>
+          <a:off x="0" y="0"/>
+          <a:ext cx="0" cy="0"/>
+          <a:chOff x="0" y="0"/>
+          <a:chExt cx="0" cy="0"/>
+        </a:xfrm>
+      </p:grpSpPr>
       <p:sp>
         <p:nvSpPr>
           <p:cNvPr id="2" name="Title 1"/>
@@ -3195,21 +3202,20 @@
         <p:txBody>
           <a:bodyPr/>
           <a:lstStyle/>
-          <a:p/>
-          <a:p>
-            <a:pPr/>
+          <a:p>
+            <a:endParaRPr/>
+          </a:p>
+          <a:p>
             <a:r>
               <a:t>Fully functional codebase.</a:t>
             </a:r>
           </a:p>
           <a:p>
-            <a:pPr/>
             <a:r>
               <a:t>Project report with insights and visualizations.</a:t>
             </a:r>
           </a:p>
           <a:p>
-            <a:pPr/>
             <a:r>
               <a:t>Interactive dashboards.</a:t>
             </a:r>
@@ -3225,7 +3231,7 @@
 </file>
 
 <file path=ppt/slides/slide11.xml><?xml version="1.0" encoding="utf-8"?>
-<p:sld xmlns:a="http://schemas.openxmlformats.org/drawingml/2006/main" xmlns:p="http://schemas.openxmlformats.org/presentationml/2006/main" xmlns:r="http://schemas.openxmlformats.org/officeDocument/2006/relationships">
+<p:sld xmlns:a="http://schemas.openxmlformats.org/drawingml/2006/main" xmlns:r="http://schemas.openxmlformats.org/officeDocument/2006/relationships" xmlns:p="http://schemas.openxmlformats.org/presentationml/2006/main">
   <p:cSld>
     <p:spTree>
       <p:nvGrpSpPr>
@@ -3233,7 +3239,14 @@
         <p:cNvGrpSpPr/>
         <p:nvPr/>
       </p:nvGrpSpPr>
-      <p:grpSpPr/>
+      <p:grpSpPr>
+        <a:xfrm>
+          <a:off x="0" y="0"/>
+          <a:ext cx="0" cy="0"/>
+          <a:chOff x="0" y="0"/>
+          <a:chExt cx="0" cy="0"/>
+        </a:xfrm>
+      </p:grpSpPr>
       <p:sp>
         <p:nvSpPr>
           <p:cNvPr id="2" name="Title 1"/>
@@ -3269,21 +3282,20 @@
         <p:txBody>
           <a:bodyPr/>
           <a:lstStyle/>
-          <a:p/>
-          <a:p>
-            <a:pPr/>
+          <a:p>
+            <a:endParaRPr/>
+          </a:p>
+          <a:p>
             <a:r>
               <a:t>Data Quality Issues: Validate and clean data.</a:t>
             </a:r>
           </a:p>
           <a:p>
-            <a:pPr/>
             <a:r>
               <a:t>Large Dataset Processing: Optimize Spark jobs.</a:t>
             </a:r>
           </a:p>
           <a:p>
-            <a:pPr/>
             <a:r>
               <a:t>Environment Setup Challenges: Follow setup guides.</a:t>
             </a:r>
@@ -3299,7 +3311,7 @@
 </file>
 
 <file path=ppt/slides/slide12.xml><?xml version="1.0" encoding="utf-8"?>
-<p:sld xmlns:a="http://schemas.openxmlformats.org/drawingml/2006/main" xmlns:p="http://schemas.openxmlformats.org/presentationml/2006/main" xmlns:r="http://schemas.openxmlformats.org/officeDocument/2006/relationships">
+<p:sld xmlns:a="http://schemas.openxmlformats.org/drawingml/2006/main" xmlns:r="http://schemas.openxmlformats.org/officeDocument/2006/relationships" xmlns:p="http://schemas.openxmlformats.org/presentationml/2006/main">
   <p:cSld>
     <p:spTree>
       <p:nvGrpSpPr>
@@ -3307,7 +3319,14 @@
         <p:cNvGrpSpPr/>
         <p:nvPr/>
       </p:nvGrpSpPr>
-      <p:grpSpPr/>
+      <p:grpSpPr>
+        <a:xfrm>
+          <a:off x="0" y="0"/>
+          <a:ext cx="0" cy="0"/>
+          <a:chOff x="0" y="0"/>
+          <a:chExt cx="0" cy="0"/>
+        </a:xfrm>
+      </p:grpSpPr>
       <p:sp>
         <p:nvSpPr>
           <p:cNvPr id="2" name="Title 1"/>
@@ -3343,21 +3362,20 @@
         <p:txBody>
           <a:bodyPr/>
           <a:lstStyle/>
-          <a:p/>
-          <a:p>
-            <a:pPr/>
+          <a:p>
+            <a:endParaRPr/>
+          </a:p>
+          <a:p>
             <a:r>
               <a:t>Research Paper: Big Data Analytics on Apache Spark.</a:t>
             </a:r>
           </a:p>
           <a:p>
-            <a:pPr/>
             <a:r>
               <a:t>Datasets: Ball_By_Ball.csv, Match.csv, Player.csv.</a:t>
             </a:r>
           </a:p>
           <a:p>
-            <a:pPr/>
             <a:r>
               <a:t>Libraries: PySpark, GraphFrames, Matplotlib.</a:t>
             </a:r>
@@ -3373,7 +3391,7 @@
 </file>
 
 <file path=ppt/slides/slide13.xml><?xml version="1.0" encoding="utf-8"?>
-<p:sld xmlns:a="http://schemas.openxmlformats.org/drawingml/2006/main" xmlns:p="http://schemas.openxmlformats.org/presentationml/2006/main" xmlns:r="http://schemas.openxmlformats.org/officeDocument/2006/relationships">
+<p:sld xmlns:a="http://schemas.openxmlformats.org/drawingml/2006/main" xmlns:r="http://schemas.openxmlformats.org/officeDocument/2006/relationships" xmlns:p="http://schemas.openxmlformats.org/presentationml/2006/main">
   <p:cSld>
     <p:spTree>
       <p:nvGrpSpPr>
@@ -3381,7 +3399,14 @@
         <p:cNvGrpSpPr/>
         <p:nvPr/>
       </p:nvGrpSpPr>
-      <p:grpSpPr/>
+      <p:grpSpPr>
+        <a:xfrm>
+          <a:off x="0" y="0"/>
+          <a:ext cx="0" cy="0"/>
+          <a:chOff x="0" y="0"/>
+          <a:chExt cx="0" cy="0"/>
+        </a:xfrm>
+      </p:grpSpPr>
       <p:sp>
         <p:nvSpPr>
           <p:cNvPr id="2" name="Title 1"/>
@@ -3433,7 +3458,7 @@
 </file>
 
 <file path=ppt/slides/slide2.xml><?xml version="1.0" encoding="utf-8"?>
-<p:sld xmlns:a="http://schemas.openxmlformats.org/drawingml/2006/main" xmlns:p="http://schemas.openxmlformats.org/presentationml/2006/main" xmlns:r="http://schemas.openxmlformats.org/officeDocument/2006/relationships">
+<p:sld xmlns:a="http://schemas.openxmlformats.org/drawingml/2006/main" xmlns:r="http://schemas.openxmlformats.org/officeDocument/2006/relationships" xmlns:p="http://schemas.openxmlformats.org/presentationml/2006/main">
   <p:cSld>
     <p:spTree>
       <p:nvGrpSpPr>
@@ -3441,7 +3466,14 @@
         <p:cNvGrpSpPr/>
         <p:nvPr/>
       </p:nvGrpSpPr>
-      <p:grpSpPr/>
+      <p:grpSpPr>
+        <a:xfrm>
+          <a:off x="0" y="0"/>
+          <a:ext cx="0" cy="0"/>
+          <a:chOff x="0" y="0"/>
+          <a:chExt cx="0" cy="0"/>
+        </a:xfrm>
+      </p:grpSpPr>
       <p:sp>
         <p:nvSpPr>
           <p:cNvPr id="2" name="Title 1"/>
@@ -3493,7 +3525,7 @@
 </file>
 
 <file path=ppt/slides/slide3.xml><?xml version="1.0" encoding="utf-8"?>
-<p:sld xmlns:a="http://schemas.openxmlformats.org/drawingml/2006/main" xmlns:p="http://schemas.openxmlformats.org/presentationml/2006/main" xmlns:r="http://schemas.openxmlformats.org/officeDocument/2006/relationships">
+<p:sld xmlns:a="http://schemas.openxmlformats.org/drawingml/2006/main" xmlns:r="http://schemas.openxmlformats.org/officeDocument/2006/relationships" xmlns:p="http://schemas.openxmlformats.org/presentationml/2006/main">
   <p:cSld>
     <p:spTree>
       <p:nvGrpSpPr>
@@ -3501,7 +3533,14 @@
         <p:cNvGrpSpPr/>
         <p:nvPr/>
       </p:nvGrpSpPr>
-      <p:grpSpPr/>
+      <p:grpSpPr>
+        <a:xfrm>
+          <a:off x="0" y="0"/>
+          <a:ext cx="0" cy="0"/>
+          <a:chOff x="0" y="0"/>
+          <a:chExt cx="0" cy="0"/>
+        </a:xfrm>
+      </p:grpSpPr>
       <p:sp>
         <p:nvSpPr>
           <p:cNvPr id="2" name="Title 1"/>
@@ -3553,7 +3592,7 @@
 </file>
 
 <file path=ppt/slides/slide4.xml><?xml version="1.0" encoding="utf-8"?>
-<p:sld xmlns:a="http://schemas.openxmlformats.org/drawingml/2006/main" xmlns:p="http://schemas.openxmlformats.org/presentationml/2006/main" xmlns:r="http://schemas.openxmlformats.org/officeDocument/2006/relationships">
+<p:sld xmlns:a="http://schemas.openxmlformats.org/drawingml/2006/main" xmlns:r="http://schemas.openxmlformats.org/officeDocument/2006/relationships" xmlns:p="http://schemas.openxmlformats.org/presentationml/2006/main">
   <p:cSld>
     <p:spTree>
       <p:nvGrpSpPr>
@@ -3561,7 +3600,14 @@
         <p:cNvGrpSpPr/>
         <p:nvPr/>
       </p:nvGrpSpPr>
-      <p:grpSpPr/>
+      <p:grpSpPr>
+        <a:xfrm>
+          <a:off x="0" y="0"/>
+          <a:ext cx="0" cy="0"/>
+          <a:chOff x="0" y="0"/>
+          <a:chExt cx="0" cy="0"/>
+        </a:xfrm>
+      </p:grpSpPr>
       <p:sp>
         <p:nvSpPr>
           <p:cNvPr id="2" name="Title 1"/>
@@ -3597,21 +3643,20 @@
         <p:txBody>
           <a:bodyPr/>
           <a:lstStyle/>
-          <a:p/>
-          <a:p>
-            <a:pPr/>
+          <a:p>
+            <a:endParaRPr/>
+          </a:p>
+          <a:p>
             <a:r>
               <a:t>Spark Core: Distributed data processing engine.</a:t>
             </a:r>
           </a:p>
           <a:p>
-            <a:pPr/>
             <a:r>
               <a:t>Libraries: Spark SQL, MLlib, GraphX, Spark Streaming.</a:t>
             </a:r>
           </a:p>
           <a:p>
-            <a:pPr/>
             <a:r>
               <a:t>Custom schema for IPL data processing.</a:t>
             </a:r>
@@ -3627,7 +3672,7 @@
 </file>
 
 <file path=ppt/slides/slide5.xml><?xml version="1.0" encoding="utf-8"?>
-<p:sld xmlns:a="http://schemas.openxmlformats.org/drawingml/2006/main" xmlns:p="http://schemas.openxmlformats.org/presentationml/2006/main" xmlns:r="http://schemas.openxmlformats.org/officeDocument/2006/relationships">
+<p:sld xmlns:a="http://schemas.openxmlformats.org/drawingml/2006/main" xmlns:r="http://schemas.openxmlformats.org/officeDocument/2006/relationships" xmlns:p="http://schemas.openxmlformats.org/presentationml/2006/main">
   <p:cSld>
     <p:spTree>
       <p:nvGrpSpPr>
@@ -3635,7 +3680,14 @@
         <p:cNvGrpSpPr/>
         <p:nvPr/>
       </p:nvGrpSpPr>
-      <p:grpSpPr/>
+      <p:grpSpPr>
+        <a:xfrm>
+          <a:off x="0" y="0"/>
+          <a:ext cx="0" cy="0"/>
+          <a:chOff x="0" y="0"/>
+          <a:chExt cx="0" cy="0"/>
+        </a:xfrm>
+      </p:grpSpPr>
       <p:sp>
         <p:nvSpPr>
           <p:cNvPr id="2" name="Title 1"/>
@@ -3671,21 +3723,20 @@
         <p:txBody>
           <a:bodyPr/>
           <a:lstStyle/>
-          <a:p/>
-          <a:p>
-            <a:pPr/>
+          <a:p>
+            <a:endParaRPr/>
+          </a:p>
+          <a:p>
             <a:r>
               <a:t>Ball_by_Ball: Includes match_id, runs_scored, etc.</a:t>
             </a:r>
           </a:p>
           <a:p>
-            <a:pPr/>
             <a:r>
               <a:t>Match: Includes team1, team2, venue_name, etc.</a:t>
             </a:r>
           </a:p>
           <a:p>
-            <a:pPr/>
             <a:r>
               <a:t>Player: Includes player_id, name, and skills.</a:t>
             </a:r>
@@ -3701,7 +3752,7 @@
 </file>
 
 <file path=ppt/slides/slide6.xml><?xml version="1.0" encoding="utf-8"?>
-<p:sld xmlns:a="http://schemas.openxmlformats.org/drawingml/2006/main" xmlns:p="http://schemas.openxmlformats.org/presentationml/2006/main" xmlns:r="http://schemas.openxmlformats.org/officeDocument/2006/relationships">
+<p:sld xmlns:a="http://schemas.openxmlformats.org/drawingml/2006/main" xmlns:r="http://schemas.openxmlformats.org/officeDocument/2006/relationships" xmlns:p="http://schemas.openxmlformats.org/presentationml/2006/main">
   <p:cSld>
     <p:spTree>
       <p:nvGrpSpPr>
@@ -3709,7 +3760,14 @@
         <p:cNvGrpSpPr/>
         <p:nvPr/>
       </p:nvGrpSpPr>
-      <p:grpSpPr/>
+      <p:grpSpPr>
+        <a:xfrm>
+          <a:off x="0" y="0"/>
+          <a:ext cx="0" cy="0"/>
+          <a:chOff x="0" y="0"/>
+          <a:chExt cx="0" cy="0"/>
+        </a:xfrm>
+      </p:grpSpPr>
       <p:sp>
         <p:nvSpPr>
           <p:cNvPr id="2" name="Title 1"/>
@@ -3745,21 +3803,20 @@
         <p:txBody>
           <a:bodyPr/>
           <a:lstStyle/>
-          <a:p/>
-          <a:p>
-            <a:pPr/>
+          <a:p>
+            <a:endParaRPr/>
+          </a:p>
+          <a:p>
             <a:r>
               <a:t>SparkSession: Entry point for Spark operations.</a:t>
             </a:r>
           </a:p>
           <a:p>
-            <a:pPr/>
             <a:r>
               <a:t>DataFrame API: For structured data manipulation.</a:t>
             </a:r>
           </a:p>
           <a:p>
-            <a:pPr/>
             <a:r>
               <a:t>PySpark functions: for transformations and aggregations.</a:t>
             </a:r>
@@ -3775,7 +3832,7 @@
 </file>
 
 <file path=ppt/slides/slide7.xml><?xml version="1.0" encoding="utf-8"?>
-<p:sld xmlns:a="http://schemas.openxmlformats.org/drawingml/2006/main" xmlns:p="http://schemas.openxmlformats.org/presentationml/2006/main" xmlns:r="http://schemas.openxmlformats.org/officeDocument/2006/relationships">
+<p:sld xmlns:a="http://schemas.openxmlformats.org/drawingml/2006/main" xmlns:r="http://schemas.openxmlformats.org/officeDocument/2006/relationships" xmlns:p="http://schemas.openxmlformats.org/presentationml/2006/main">
   <p:cSld>
     <p:spTree>
       <p:nvGrpSpPr>
@@ -3783,7 +3840,14 @@
         <p:cNvGrpSpPr/>
         <p:nvPr/>
       </p:nvGrpSpPr>
-      <p:grpSpPr/>
+      <p:grpSpPr>
+        <a:xfrm>
+          <a:off x="0" y="0"/>
+          <a:ext cx="0" cy="0"/>
+          <a:chOff x="0" y="0"/>
+          <a:chExt cx="0" cy="0"/>
+        </a:xfrm>
+      </p:grpSpPr>
       <p:sp>
         <p:nvSpPr>
           <p:cNvPr id="2" name="Title 1"/>
@@ -3819,21 +3883,20 @@
         <p:txBody>
           <a:bodyPr/>
           <a:lstStyle/>
-          <a:p/>
-          <a:p>
-            <a:pPr/>
+          <a:p>
+            <a:endParaRPr/>
+          </a:p>
+          <a:p>
             <a:r>
               <a:t>Load Data: Using pre-defined schemas.</a:t>
             </a:r>
           </a:p>
           <a:p>
-            <a:pPr/>
             <a:r>
               <a:t>Preprocess Data: Clean and validate datasets.</a:t>
             </a:r>
           </a:p>
           <a:p>
-            <a:pPr/>
             <a:r>
               <a:t>Aggregate Data: Group and filter for insights.</a:t>
             </a:r>
@@ -3849,7 +3912,7 @@
 </file>
 
 <file path=ppt/slides/slide8.xml><?xml version="1.0" encoding="utf-8"?>
-<p:sld xmlns:a="http://schemas.openxmlformats.org/drawingml/2006/main" xmlns:p="http://schemas.openxmlformats.org/presentationml/2006/main" xmlns:r="http://schemas.openxmlformats.org/officeDocument/2006/relationships">
+<p:sld xmlns:a="http://schemas.openxmlformats.org/drawingml/2006/main" xmlns:r="http://schemas.openxmlformats.org/officeDocument/2006/relationships" xmlns:p="http://schemas.openxmlformats.org/presentationml/2006/main">
   <p:cSld>
     <p:spTree>
       <p:nvGrpSpPr>
@@ -3857,7 +3920,14 @@
         <p:cNvGrpSpPr/>
         <p:nvPr/>
       </p:nvGrpSpPr>
-      <p:grpSpPr/>
+      <p:grpSpPr>
+        <a:xfrm>
+          <a:off x="0" y="0"/>
+          <a:ext cx="0" cy="0"/>
+          <a:chOff x="0" y="0"/>
+          <a:chExt cx="0" cy="0"/>
+        </a:xfrm>
+      </p:grpSpPr>
       <p:sp>
         <p:nvSpPr>
           <p:cNvPr id="2" name="Title 1"/>
@@ -3893,21 +3963,20 @@
         <p:txBody>
           <a:bodyPr/>
           <a:lstStyle/>
-          <a:p/>
-          <a:p>
-            <a:pPr/>
+          <a:p>
+            <a:endParaRPr/>
+          </a:p>
+          <a:p>
             <a:r>
               <a:t>Apache Spark: For distributed data processing.</a:t>
             </a:r>
           </a:p>
           <a:p>
-            <a:pPr/>
             <a:r>
               <a:t>Databricks: Collaborative workspace for Spark.</a:t>
             </a:r>
           </a:p>
           <a:p>
-            <a:pPr/>
             <a:r>
               <a:t>AWS S3: Cloud storage for datasets.</a:t>
             </a:r>
@@ -3923,7 +3992,7 @@
 </file>
 
 <file path=ppt/slides/slide9.xml><?xml version="1.0" encoding="utf-8"?>
-<p:sld xmlns:a="http://schemas.openxmlformats.org/drawingml/2006/main" xmlns:p="http://schemas.openxmlformats.org/presentationml/2006/main" xmlns:r="http://schemas.openxmlformats.org/officeDocument/2006/relationships">
+<p:sld xmlns:a="http://schemas.openxmlformats.org/drawingml/2006/main" xmlns:r="http://schemas.openxmlformats.org/officeDocument/2006/relationships" xmlns:p="http://schemas.openxmlformats.org/presentationml/2006/main">
   <p:cSld>
     <p:spTree>
       <p:nvGrpSpPr>
@@ -3931,7 +4000,14 @@
         <p:cNvGrpSpPr/>
         <p:nvPr/>
       </p:nvGrpSpPr>
-      <p:grpSpPr/>
+      <p:grpSpPr>
+        <a:xfrm>
+          <a:off x="0" y="0"/>
+          <a:ext cx="0" cy="0"/>
+          <a:chOff x="0" y="0"/>
+          <a:chExt cx="0" cy="0"/>
+        </a:xfrm>
+      </p:grpSpPr>
       <p:sp>
         <p:nvSpPr>
           <p:cNvPr id="2" name="Title 1"/>
@@ -3967,27 +4043,25 @@
         <p:txBody>
           <a:bodyPr/>
           <a:lstStyle/>
-          <a:p/>
-          <a:p>
-            <a:pPr/>
+          <a:p>
+            <a:endParaRPr/>
+          </a:p>
+          <a:p>
             <a:r>
               <a:t>Phase 1: Environment setup and data validation.</a:t>
             </a:r>
           </a:p>
           <a:p>
-            <a:pPr/>
             <a:r>
               <a:t>Phase 2: Data preprocessing.</a:t>
             </a:r>
           </a:p>
           <a:p>
-            <a:pPr/>
             <a:r>
               <a:t>Phase 3: Data analysis and feature engineering.</a:t>
             </a:r>
           </a:p>
           <a:p>
-            <a:pPr/>
             <a:r>
               <a:t>Phase 4: Advanced analytics and reporting.</a:t>
             </a:r>
